--- a/API/PPT/DependencyInjection.pptx
+++ b/API/PPT/DependencyInjection.pptx
@@ -218,7 +218,7 @@
             <a:fld id="{25168A0F-649F-4C97-B40A-0C44105BD79B}" type="datetimeFigureOut">
               <a:rPr lang="en-US" smtClean="0"/>
               <a:pPr/>
-              <a:t>7/4/2023</a:t>
+              <a:t>8/7/2024</a:t>
             </a:fld>
             <a:endParaRPr lang="en-US"/>
           </a:p>
@@ -1643,7 +1643,7 @@
             <a:fld id="{1D8BD707-D9CF-40AE-B4C6-C98DA3205C09}" type="datetimeFigureOut">
               <a:rPr lang="en-US" smtClean="0"/>
               <a:pPr/>
-              <a:t>7/4/2023</a:t>
+              <a:t>8/7/2024</a:t>
             </a:fld>
             <a:endParaRPr lang="en-US"/>
           </a:p>
@@ -1835,7 +1835,7 @@
             <a:fld id="{1D8BD707-D9CF-40AE-B4C6-C98DA3205C09}" type="datetimeFigureOut">
               <a:rPr lang="en-US" smtClean="0"/>
               <a:pPr/>
-              <a:t>7/4/2023</a:t>
+              <a:t>8/7/2024</a:t>
             </a:fld>
             <a:endParaRPr lang="en-US"/>
           </a:p>
@@ -2021,7 +2021,7 @@
             <a:fld id="{1D8BD707-D9CF-40AE-B4C6-C98DA3205C09}" type="datetimeFigureOut">
               <a:rPr lang="en-US" smtClean="0"/>
               <a:pPr/>
-              <a:t>7/4/2023</a:t>
+              <a:t>8/7/2024</a:t>
             </a:fld>
             <a:endParaRPr lang="en-US"/>
           </a:p>
@@ -2285,7 +2285,7 @@
             <a:fld id="{1D8BD707-D9CF-40AE-B4C6-C98DA3205C09}" type="datetimeFigureOut">
               <a:rPr lang="en-US" smtClean="0"/>
               <a:pPr/>
-              <a:t>7/4/2023</a:t>
+              <a:t>8/7/2024</a:t>
             </a:fld>
             <a:endParaRPr lang="en-US"/>
           </a:p>
@@ -2702,7 +2702,7 @@
             <a:fld id="{1D8BD707-D9CF-40AE-B4C6-C98DA3205C09}" type="datetimeFigureOut">
               <a:rPr lang="en-US" smtClean="0"/>
               <a:pPr/>
-              <a:t>7/4/2023</a:t>
+              <a:t>8/7/2024</a:t>
             </a:fld>
             <a:endParaRPr lang="en-US"/>
           </a:p>
@@ -2945,7 +2945,7 @@
             <a:fld id="{1D8BD707-D9CF-40AE-B4C6-C98DA3205C09}" type="datetimeFigureOut">
               <a:rPr lang="en-US" smtClean="0"/>
               <a:pPr/>
-              <a:t>7/4/2023</a:t>
+              <a:t>8/7/2024</a:t>
             </a:fld>
             <a:endParaRPr lang="en-US"/>
           </a:p>
@@ -3182,7 +3182,7 @@
             <a:fld id="{1D8BD707-D9CF-40AE-B4C6-C98DA3205C09}" type="datetimeFigureOut">
               <a:rPr lang="en-US" smtClean="0"/>
               <a:pPr/>
-              <a:t>7/4/2023</a:t>
+              <a:t>8/7/2024</a:t>
             </a:fld>
             <a:endParaRPr lang="en-US"/>
           </a:p>
@@ -3378,7 +3378,7 @@
             <a:fld id="{1D8BD707-D9CF-40AE-B4C6-C98DA3205C09}" type="datetimeFigureOut">
               <a:rPr lang="en-US" smtClean="0"/>
               <a:pPr/>
-              <a:t>7/4/2023</a:t>
+              <a:t>8/7/2024</a:t>
             </a:fld>
             <a:endParaRPr lang="en-US"/>
           </a:p>
@@ -3478,7 +3478,7 @@
             <a:fld id="{1D8BD707-D9CF-40AE-B4C6-C98DA3205C09}" type="datetimeFigureOut">
               <a:rPr lang="en-US" smtClean="0"/>
               <a:pPr/>
-              <a:t>7/4/2023</a:t>
+              <a:t>8/7/2024</a:t>
             </a:fld>
             <a:endParaRPr lang="en-US"/>
           </a:p>
@@ -3615,7 +3615,7 @@
             <a:fld id="{1D8BD707-D9CF-40AE-B4C6-C98DA3205C09}" type="datetimeFigureOut">
               <a:rPr lang="en-US" smtClean="0"/>
               <a:pPr/>
-              <a:t>7/4/2023</a:t>
+              <a:t>8/7/2024</a:t>
             </a:fld>
             <a:endParaRPr lang="en-US"/>
           </a:p>
@@ -4134,7 +4134,7 @@
             <a:fld id="{1D8BD707-D9CF-40AE-B4C6-C98DA3205C09}" type="datetimeFigureOut">
               <a:rPr lang="en-US" smtClean="0"/>
               <a:pPr/>
-              <a:t>7/4/2023</a:t>
+              <a:t>8/7/2024</a:t>
             </a:fld>
             <a:endParaRPr lang="en-US"/>
           </a:p>
@@ -4395,7 +4395,7 @@
             <a:fld id="{1D8BD707-D9CF-40AE-B4C6-C98DA3205C09}" type="datetimeFigureOut">
               <a:rPr lang="en-US" smtClean="0"/>
               <a:pPr/>
-              <a:t>7/4/2023</a:t>
+              <a:t>8/7/2024</a:t>
             </a:fld>
             <a:endParaRPr lang="en-US"/>
           </a:p>
